--- a/PDF DOCUMENTI+PRESENTAZIONE/presentazioneIS.pptx
+++ b/PDF DOCUMENTI+PRESENTAZIONE/presentazioneIS.pptx
@@ -33,6 +33,7 @@
     <p:sldId id="283" r:id="rId27"/>
     <p:sldId id="284" r:id="rId28"/>
     <p:sldId id="285" r:id="rId29"/>
+    <p:sldId id="286" r:id="rId30"/>
   </p:sldIdLst>
   <p:sldSz cx="12192000" cy="6858000"/>
   <p:notesSz cx="6858000" cy="9144000"/>
@@ -270,7 +271,7 @@
           <a:p>
             <a:fld id="{8E92F9B4-22CE-4DC7-877B-A912CB85DED6}" type="datetimeFigureOut">
               <a:rPr lang="it-IT" smtClean="0"/>
-              <a:t>19/02/2019</a:t>
+              <a:t>20/02/2019</a:t>
             </a:fld>
             <a:endParaRPr lang="it-IT"/>
           </a:p>
@@ -440,7 +441,7 @@
           <a:p>
             <a:fld id="{8E92F9B4-22CE-4DC7-877B-A912CB85DED6}" type="datetimeFigureOut">
               <a:rPr lang="it-IT" smtClean="0"/>
-              <a:t>19/02/2019</a:t>
+              <a:t>20/02/2019</a:t>
             </a:fld>
             <a:endParaRPr lang="it-IT"/>
           </a:p>
@@ -620,7 +621,7 @@
           <a:p>
             <a:fld id="{8E92F9B4-22CE-4DC7-877B-A912CB85DED6}" type="datetimeFigureOut">
               <a:rPr lang="it-IT" smtClean="0"/>
-              <a:t>19/02/2019</a:t>
+              <a:t>20/02/2019</a:t>
             </a:fld>
             <a:endParaRPr lang="it-IT"/>
           </a:p>
@@ -790,7 +791,7 @@
           <a:p>
             <a:fld id="{8E92F9B4-22CE-4DC7-877B-A912CB85DED6}" type="datetimeFigureOut">
               <a:rPr lang="it-IT" smtClean="0"/>
-              <a:t>19/02/2019</a:t>
+              <a:t>20/02/2019</a:t>
             </a:fld>
             <a:endParaRPr lang="it-IT"/>
           </a:p>
@@ -1036,7 +1037,7 @@
           <a:p>
             <a:fld id="{8E92F9B4-22CE-4DC7-877B-A912CB85DED6}" type="datetimeFigureOut">
               <a:rPr lang="it-IT" smtClean="0"/>
-              <a:t>19/02/2019</a:t>
+              <a:t>20/02/2019</a:t>
             </a:fld>
             <a:endParaRPr lang="it-IT"/>
           </a:p>
@@ -1268,7 +1269,7 @@
           <a:p>
             <a:fld id="{8E92F9B4-22CE-4DC7-877B-A912CB85DED6}" type="datetimeFigureOut">
               <a:rPr lang="it-IT" smtClean="0"/>
-              <a:t>19/02/2019</a:t>
+              <a:t>20/02/2019</a:t>
             </a:fld>
             <a:endParaRPr lang="it-IT"/>
           </a:p>
@@ -1635,7 +1636,7 @@
           <a:p>
             <a:fld id="{8E92F9B4-22CE-4DC7-877B-A912CB85DED6}" type="datetimeFigureOut">
               <a:rPr lang="it-IT" smtClean="0"/>
-              <a:t>19/02/2019</a:t>
+              <a:t>20/02/2019</a:t>
             </a:fld>
             <a:endParaRPr lang="it-IT"/>
           </a:p>
@@ -1753,7 +1754,7 @@
           <a:p>
             <a:fld id="{8E92F9B4-22CE-4DC7-877B-A912CB85DED6}" type="datetimeFigureOut">
               <a:rPr lang="it-IT" smtClean="0"/>
-              <a:t>19/02/2019</a:t>
+              <a:t>20/02/2019</a:t>
             </a:fld>
             <a:endParaRPr lang="it-IT"/>
           </a:p>
@@ -1848,7 +1849,7 @@
           <a:p>
             <a:fld id="{8E92F9B4-22CE-4DC7-877B-A912CB85DED6}" type="datetimeFigureOut">
               <a:rPr lang="it-IT" smtClean="0"/>
-              <a:t>19/02/2019</a:t>
+              <a:t>20/02/2019</a:t>
             </a:fld>
             <a:endParaRPr lang="it-IT"/>
           </a:p>
@@ -2125,7 +2126,7 @@
           <a:p>
             <a:fld id="{8E92F9B4-22CE-4DC7-877B-A912CB85DED6}" type="datetimeFigureOut">
               <a:rPr lang="it-IT" smtClean="0"/>
-              <a:t>19/02/2019</a:t>
+              <a:t>20/02/2019</a:t>
             </a:fld>
             <a:endParaRPr lang="it-IT"/>
           </a:p>
@@ -2378,7 +2379,7 @@
           <a:p>
             <a:fld id="{8E92F9B4-22CE-4DC7-877B-A912CB85DED6}" type="datetimeFigureOut">
               <a:rPr lang="it-IT" smtClean="0"/>
-              <a:t>19/02/2019</a:t>
+              <a:t>20/02/2019</a:t>
             </a:fld>
             <a:endParaRPr lang="it-IT"/>
           </a:p>
@@ -2591,7 +2592,7 @@
           <a:p>
             <a:fld id="{8E92F9B4-22CE-4DC7-877B-A912CB85DED6}" type="datetimeFigureOut">
               <a:rPr lang="it-IT" smtClean="0"/>
-              <a:t>19/02/2019</a:t>
+              <a:t>20/02/2019</a:t>
             </a:fld>
             <a:endParaRPr lang="it-IT"/>
           </a:p>
@@ -4707,7 +4708,7 @@
           <a:graphicData uri="http://schemas.openxmlformats.org/presentationml/2006/ole">
             <mc:AlternateContent xmlns:mc="http://schemas.openxmlformats.org/markup-compatibility/2006">
               <mc:Choice xmlns:v="urn:schemas-microsoft-com:vml" Requires="v">
-                <p:oleObj spid="_x0000_s4107" name="Immagine" r:id="rId4" imgW="0" imgH="0" progId="StaticMetafile">
+                <p:oleObj spid="_x0000_s4110" name="Immagine" r:id="rId4" imgW="0" imgH="0" progId="StaticMetafile">
                   <p:embed/>
                 </p:oleObj>
               </mc:Choice>
@@ -7887,7 +7888,6 @@
               <a:rPr lang="it-IT" dirty="0"/>
               <a:t>Un caso di test ha esito positivo se l’output osservato è differente dal risultato previsto dall’oracolo; al contrario, un caso di test ha esito negativo se l’output osservato coincide con il risultato previsto dall’oracolo. </a:t>
             </a:r>
-            <a:endParaRPr lang="it-IT" dirty="0"/>
           </a:p>
           <a:p>
             <a:pPr algn="ctr"/>
@@ -8173,7 +8173,6 @@
               <a:rPr lang="it-IT" dirty="0"/>
               <a:t> qualora sia necessario. </a:t>
             </a:r>
-            <a:endParaRPr lang="it-IT" dirty="0"/>
           </a:p>
         </p:txBody>
       </p:sp>
@@ -8187,13 +8186,13 @@
   <p:clrMapOvr>
     <a:masterClrMapping/>
   </p:clrMapOvr>
-  <mc:AlternateContent xmlns:mc="http://schemas.openxmlformats.org/markup-compatibility/2006">
-    <mc:Choice xmlns:p14="http://schemas.microsoft.com/office/powerpoint/2010/main" Requires="p14">
+  <mc:AlternateContent xmlns:mc="http://schemas.openxmlformats.org/markup-compatibility/2006" xmlns:p14="http://schemas.microsoft.com/office/powerpoint/2010/main">
+    <mc:Choice Requires="p14">
       <p:transition spd="med" p14:dur="700">
         <p:fade/>
       </p:transition>
     </mc:Choice>
-    <mc:Fallback>
+    <mc:Fallback xmlns="">
       <p:transition spd="med">
         <p:fade/>
       </p:transition>
@@ -8265,7 +8264,7 @@
         <p:spPr>
           <a:xfrm>
             <a:off x="2255717" y="526097"/>
-            <a:ext cx="8015416" cy="5355312"/>
+            <a:ext cx="8015416" cy="4247317"/>
           </a:xfrm>
           <a:prstGeom prst="rect">
             <a:avLst/>
@@ -8298,7 +8297,7 @@
             <a:endParaRPr lang="it-IT" b="1" dirty="0" smtClean="0"/>
           </a:p>
           <a:p>
-            <a:pPr lvl="1"/>
+            <a:pPr lvl="6"/>
             <a:r>
               <a:rPr lang="it-IT" b="1" dirty="0" smtClean="0"/>
               <a:t>Aereo</a:t>
@@ -8310,103 +8309,64 @@
             <a:endParaRPr lang="it-IT" b="1" dirty="0" smtClean="0"/>
           </a:p>
           <a:p>
-            <a:pPr lvl="2"/>
+            <a:pPr lvl="7"/>
             <a:r>
               <a:rPr lang="it-IT" dirty="0" smtClean="0"/>
               <a:t>Aggiunta Aereo</a:t>
             </a:r>
           </a:p>
           <a:p>
-            <a:pPr lvl="2"/>
-            <a:r>
-              <a:rPr lang="it-IT" dirty="0" smtClean="0"/>
-              <a:t>Aerei disponibili</a:t>
-            </a:r>
-          </a:p>
-          <a:p>
-            <a:pPr lvl="2"/>
-            <a:r>
-              <a:rPr lang="it-IT" dirty="0" smtClean="0"/>
-              <a:t>Aggiunta Aereo</a:t>
-            </a:r>
-          </a:p>
-          <a:p>
-            <a:pPr lvl="2"/>
-            <a:r>
-              <a:rPr lang="it-IT" dirty="0" smtClean="0"/>
-              <a:t>Codice </a:t>
-            </a:r>
-            <a:r>
-              <a:rPr lang="it-IT" dirty="0"/>
-              <a:t>massimo </a:t>
-            </a:r>
-            <a:r>
-              <a:rPr lang="it-IT" dirty="0" smtClean="0"/>
-              <a:t>Aereo</a:t>
-            </a:r>
-          </a:p>
-          <a:p>
-            <a:pPr lvl="1"/>
+            <a:pPr lvl="6"/>
             <a:r>
               <a:rPr lang="it-IT" b="1" dirty="0" smtClean="0"/>
               <a:t>Aeroporto</a:t>
             </a:r>
-          </a:p>
-          <a:p>
-            <a:pPr lvl="2"/>
+            <a:endParaRPr lang="it-IT" b="1" dirty="0" smtClean="0"/>
+          </a:p>
+          <a:p>
+            <a:pPr lvl="7"/>
             <a:r>
               <a:rPr lang="it-IT" dirty="0" smtClean="0"/>
               <a:t>Aggiungi aeroporto</a:t>
             </a:r>
           </a:p>
           <a:p>
-            <a:pPr lvl="2"/>
-            <a:r>
-              <a:rPr lang="it-IT" dirty="0" err="1" smtClean="0"/>
-              <a:t>getAeroporto</a:t>
-            </a:r>
-            <a:endParaRPr lang="it-IT" dirty="0" smtClean="0"/>
-          </a:p>
-          <a:p>
-            <a:pPr lvl="1"/>
-            <a:r>
-              <a:rPr lang="it-IT" b="1" dirty="0" smtClean="0"/>
-              <a:t>Prenotazioni</a:t>
-            </a:r>
-            <a:endParaRPr lang="it-IT" dirty="0" smtClean="0"/>
-          </a:p>
-          <a:p>
-            <a:pPr lvl="2"/>
-            <a:r>
-              <a:rPr lang="it-IT" dirty="0" err="1" smtClean="0"/>
-              <a:t>showAllPrenotazioni</a:t>
-            </a:r>
-            <a:endParaRPr lang="it-IT" dirty="0" smtClean="0"/>
-          </a:p>
-          <a:p>
-            <a:pPr lvl="1"/>
+            <a:pPr lvl="6"/>
             <a:r>
               <a:rPr lang="it-IT" b="1" dirty="0" smtClean="0"/>
               <a:t>Utente</a:t>
             </a:r>
-          </a:p>
-          <a:p>
-            <a:pPr lvl="2"/>
-            <a:r>
-              <a:rPr lang="it-IT" dirty="0" err="1" smtClean="0"/>
-              <a:t>doRetrieveByKeyUtente</a:t>
+            <a:endParaRPr lang="it-IT" b="1" dirty="0" smtClean="0"/>
+          </a:p>
+          <a:p>
+            <a:pPr lvl="7"/>
+            <a:r>
+              <a:rPr lang="it-IT" dirty="0" smtClean="0"/>
+              <a:t>Login</a:t>
             </a:r>
             <a:endParaRPr lang="it-IT" dirty="0" smtClean="0"/>
           </a:p>
           <a:p>
-            <a:pPr lvl="2"/>
+            <a:pPr lvl="7"/>
             <a:r>
               <a:rPr lang="it-IT" dirty="0" smtClean="0"/>
-              <a:t>Registrazione Utente</a:t>
-            </a:r>
-          </a:p>
-          <a:p>
-            <a:pPr lvl="1"/>
+              <a:t>Registrazione </a:t>
+            </a:r>
+            <a:r>
+              <a:rPr lang="it-IT" dirty="0" smtClean="0"/>
+              <a:t>Utente</a:t>
+            </a:r>
+          </a:p>
+          <a:p>
+            <a:pPr lvl="7"/>
+            <a:r>
+              <a:rPr lang="it-IT" dirty="0" smtClean="0"/>
+              <a:t>Modifica Dati</a:t>
+            </a:r>
+            <a:endParaRPr lang="it-IT" dirty="0" smtClean="0"/>
+          </a:p>
+          <a:p>
+            <a:pPr lvl="6"/>
             <a:r>
               <a:rPr lang="it-IT" b="1" dirty="0" smtClean="0"/>
               <a:t>Volo</a:t>
@@ -8418,10 +8378,21 @@
             <a:endParaRPr lang="it-IT" b="1" dirty="0" smtClean="0"/>
           </a:p>
           <a:p>
-            <a:pPr lvl="2"/>
+            <a:pPr lvl="7"/>
             <a:r>
               <a:rPr lang="it-IT" dirty="0" smtClean="0"/>
-              <a:t>Aggiunta Volo</a:t>
+              <a:t>Aggiunta </a:t>
+            </a:r>
+            <a:r>
+              <a:rPr lang="it-IT" dirty="0" smtClean="0"/>
+              <a:t>Volo</a:t>
+            </a:r>
+          </a:p>
+          <a:p>
+            <a:pPr lvl="7"/>
+            <a:r>
+              <a:rPr lang="it-IT" dirty="0" smtClean="0"/>
+              <a:t>Modifica Volo</a:t>
             </a:r>
             <a:r>
               <a:rPr lang="it-IT" dirty="0"/>
@@ -8430,7 +8401,7 @@
             <a:endParaRPr lang="it-IT" dirty="0" smtClean="0"/>
           </a:p>
           <a:p>
-            <a:pPr lvl="2"/>
+            <a:pPr lvl="7"/>
             <a:r>
               <a:rPr lang="it-IT" dirty="0" smtClean="0"/>
               <a:t>Ricerca volo</a:t>
@@ -8449,13 +8420,13 @@
   <p:clrMapOvr>
     <a:masterClrMapping/>
   </p:clrMapOvr>
-  <mc:AlternateContent xmlns:mc="http://schemas.openxmlformats.org/markup-compatibility/2006">
-    <mc:Choice xmlns:p14="http://schemas.microsoft.com/office/powerpoint/2010/main" Requires="p14">
+  <mc:AlternateContent xmlns:mc="http://schemas.openxmlformats.org/markup-compatibility/2006" xmlns:p14="http://schemas.microsoft.com/office/powerpoint/2010/main">
+    <mc:Choice Requires="p14">
       <p:transition spd="med" p14:dur="700">
         <p:fade/>
       </p:transition>
     </mc:Choice>
-    <mc:Fallback>
+    <mc:Fallback xmlns="">
       <p:transition spd="med">
         <p:fade/>
       </p:transition>
@@ -8886,13 +8857,13 @@
   <p:clrMapOvr>
     <a:masterClrMapping/>
   </p:clrMapOvr>
-  <mc:AlternateContent xmlns:mc="http://schemas.openxmlformats.org/markup-compatibility/2006">
-    <mc:Choice xmlns:p14="http://schemas.microsoft.com/office/powerpoint/2010/main" Requires="p14">
+  <mc:AlternateContent xmlns:mc="http://schemas.openxmlformats.org/markup-compatibility/2006" xmlns:p14="http://schemas.microsoft.com/office/powerpoint/2010/main">
+    <mc:Choice Requires="p14">
       <p:transition spd="med" p14:dur="700">
         <p:fade/>
       </p:transition>
     </mc:Choice>
-    <mc:Fallback>
+    <mc:Fallback xmlns="">
       <p:transition spd="med">
         <p:fade/>
       </p:transition>
@@ -9016,7 +8987,7 @@
         </p:nvGraphicFramePr>
         <p:xfrm>
           <a:off x="770019" y="724556"/>
-          <a:ext cx="10651958" cy="5655036"/>
+          <a:ext cx="10651958" cy="5984220"/>
         </p:xfrm>
         <a:graphic>
           <a:graphicData uri="http://schemas.openxmlformats.org/drawingml/2006/table">
@@ -11050,13 +11021,123 @@
   <p:clrMapOvr>
     <a:masterClrMapping/>
   </p:clrMapOvr>
-  <mc:AlternateContent xmlns:mc="http://schemas.openxmlformats.org/markup-compatibility/2006">
-    <mc:Choice xmlns:p14="http://schemas.microsoft.com/office/powerpoint/2010/main" Requires="p14">
+  <mc:AlternateContent xmlns:mc="http://schemas.openxmlformats.org/markup-compatibility/2006" xmlns:p14="http://schemas.microsoft.com/office/powerpoint/2010/main">
+    <mc:Choice Requires="p14">
       <p:transition spd="med" p14:dur="700">
         <p:fade/>
       </p:transition>
     </mc:Choice>
-    <mc:Fallback>
+    <mc:Fallback xmlns="">
+      <p:transition spd="med">
+        <p:fade/>
+      </p:transition>
+    </mc:Fallback>
+  </mc:AlternateContent>
+  <p:timing>
+    <p:tnLst>
+      <p:par>
+        <p:cTn id="1" dur="indefinite" restart="never" nodeType="tmRoot"/>
+      </p:par>
+    </p:tnLst>
+  </p:timing>
+</p:sld>
+</file>
+
+<file path=ppt/slides/slide29.xml><?xml version="1.0" encoding="utf-8"?>
+<p:sld xmlns:a="http://schemas.openxmlformats.org/drawingml/2006/main" xmlns:r="http://schemas.openxmlformats.org/officeDocument/2006/relationships" xmlns:p="http://schemas.openxmlformats.org/presentationml/2006/main">
+  <p:cSld>
+    <p:spTree>
+      <p:nvGrpSpPr>
+        <p:cNvPr id="1" name=""/>
+        <p:cNvGrpSpPr/>
+        <p:nvPr/>
+      </p:nvGrpSpPr>
+      <p:grpSpPr>
+        <a:xfrm>
+          <a:off x="0" y="0"/>
+          <a:ext cx="0" cy="0"/>
+          <a:chOff x="0" y="0"/>
+          <a:chExt cx="0" cy="0"/>
+        </a:xfrm>
+      </p:grpSpPr>
+      <p:pic>
+        <p:nvPicPr>
+          <p:cNvPr id="15" name="Immagine 14" descr="..\Stemma.jpg"/>
+          <p:cNvPicPr/>
+          <p:nvPr/>
+        </p:nvPicPr>
+        <p:blipFill>
+          <a:blip r:embed="rId2">
+            <a:lum bright="80000" contrast="-70000"/>
+          </a:blip>
+          <a:srcRect/>
+          <a:stretch>
+            <a:fillRect/>
+          </a:stretch>
+        </p:blipFill>
+        <p:spPr>
+          <a:xfrm>
+            <a:off x="2621700" y="109003"/>
+            <a:ext cx="7283450" cy="6562725"/>
+          </a:xfrm>
+          <a:prstGeom prst="rect">
+            <a:avLst/>
+          </a:prstGeom>
+          <a:noFill/>
+          <a:ln>
+            <a:noFill/>
+            <a:prstDash/>
+          </a:ln>
+        </p:spPr>
+      </p:pic>
+      <p:sp>
+        <p:nvSpPr>
+          <p:cNvPr id="3" name="CasellaDiTesto 2"/>
+          <p:cNvSpPr txBox="1"/>
+          <p:nvPr/>
+        </p:nvSpPr>
+        <p:spPr>
+          <a:xfrm>
+            <a:off x="2173339" y="2928700"/>
+            <a:ext cx="8015416" cy="923330"/>
+          </a:xfrm>
+          <a:prstGeom prst="rect">
+            <a:avLst/>
+          </a:prstGeom>
+          <a:noFill/>
+        </p:spPr>
+        <p:txBody>
+          <a:bodyPr wrap="square" rtlCol="0">
+            <a:spAutoFit/>
+          </a:bodyPr>
+          <a:lstStyle/>
+          <a:p>
+            <a:pPr algn="ctr"/>
+            <a:r>
+              <a:rPr lang="it-IT" sz="5400" b="1" dirty="0" smtClean="0"/>
+              <a:t>GRAZIE PER L’ATTENZIONE</a:t>
+            </a:r>
+            <a:endParaRPr lang="it-IT" sz="1600" b="1" dirty="0"/>
+          </a:p>
+        </p:txBody>
+      </p:sp>
+    </p:spTree>
+    <p:extLst>
+      <p:ext uri="{BB962C8B-B14F-4D97-AF65-F5344CB8AC3E}">
+        <p14:creationId xmlns:p14="http://schemas.microsoft.com/office/powerpoint/2010/main" val="2435517637"/>
+      </p:ext>
+    </p:extLst>
+  </p:cSld>
+  <p:clrMapOvr>
+    <a:masterClrMapping/>
+  </p:clrMapOvr>
+  <mc:AlternateContent xmlns:mc="http://schemas.openxmlformats.org/markup-compatibility/2006" xmlns:p14="http://schemas.microsoft.com/office/powerpoint/2010/main">
+    <mc:Choice Requires="p14">
+      <p:transition spd="med" p14:dur="700">
+        <p:fade/>
+      </p:transition>
+    </mc:Choice>
+    <mc:Fallback xmlns="">
       <p:transition spd="med">
         <p:fade/>
       </p:transition>
